--- a/figures/drivingsetup.pptx
+++ b/figures/drivingsetup.pptx
@@ -4,8 +4,12 @@
   <p:sldMasterIdLst>
     <p:sldMasterId id="2147483672" r:id="rId1"/>
   </p:sldMasterIdLst>
+  <p:notesMasterIdLst>
+    <p:notesMasterId r:id="rId4"/>
+  </p:notesMasterIdLst>
   <p:sldIdLst>
     <p:sldId id="256" r:id="rId2"/>
+    <p:sldId id="257" r:id="rId3"/>
   </p:sldIdLst>
   <p:sldSz cx="8229600" cy="3657600"/>
   <p:notesSz cx="6858000" cy="9144000"/>
@@ -104,7 +108,362 @@
       </a:defRPr>
     </a:lvl9pPr>
   </p:defaultTextStyle>
+  <p:extLst>
+    <p:ext uri="{EFAFB233-063F-42B5-8137-9DF3F51BA10A}">
+      <p15:sldGuideLst xmlns:p15="http://schemas.microsoft.com/office/powerpoint/2012/main"/>
+    </p:ext>
+  </p:extLst>
 </p:presentation>
+</file>
+
+<file path=ppt/notesMasters/notesMaster1.xml><?xml version="1.0" encoding="utf-8"?>
+<p:notesMaster xmlns:a="http://schemas.openxmlformats.org/drawingml/2006/main" xmlns:r="http://schemas.openxmlformats.org/officeDocument/2006/relationships" xmlns:p="http://schemas.openxmlformats.org/presentationml/2006/main">
+  <p:cSld>
+    <p:bg>
+      <p:bgRef idx="1001">
+        <a:schemeClr val="bg1"/>
+      </p:bgRef>
+    </p:bg>
+    <p:spTree>
+      <p:nvGrpSpPr>
+        <p:cNvPr id="1" name=""/>
+        <p:cNvGrpSpPr/>
+        <p:nvPr/>
+      </p:nvGrpSpPr>
+      <p:grpSpPr>
+        <a:xfrm>
+          <a:off x="0" y="0"/>
+          <a:ext cx="0" cy="0"/>
+          <a:chOff x="0" y="0"/>
+          <a:chExt cx="0" cy="0"/>
+        </a:xfrm>
+      </p:grpSpPr>
+      <p:sp>
+        <p:nvSpPr>
+          <p:cNvPr id="2" name="Header Placeholder 1"/>
+          <p:cNvSpPr>
+            <a:spLocks noGrp="1"/>
+          </p:cNvSpPr>
+          <p:nvPr>
+            <p:ph type="hdr" sz="quarter"/>
+          </p:nvPr>
+        </p:nvSpPr>
+        <p:spPr>
+          <a:xfrm>
+            <a:off x="0" y="0"/>
+            <a:ext cx="2971800" cy="458788"/>
+          </a:xfrm>
+          <a:prstGeom prst="rect">
+            <a:avLst/>
+          </a:prstGeom>
+        </p:spPr>
+        <p:txBody>
+          <a:bodyPr vert="horz" lIns="91440" tIns="45720" rIns="91440" bIns="45720" rtlCol="0"/>
+          <a:lstStyle>
+            <a:lvl1pPr algn="l">
+              <a:defRPr sz="1200"/>
+            </a:lvl1pPr>
+          </a:lstStyle>
+          <a:p>
+            <a:endParaRPr lang="en-US"/>
+          </a:p>
+        </p:txBody>
+      </p:sp>
+      <p:sp>
+        <p:nvSpPr>
+          <p:cNvPr id="3" name="Date Placeholder 2"/>
+          <p:cNvSpPr>
+            <a:spLocks noGrp="1"/>
+          </p:cNvSpPr>
+          <p:nvPr>
+            <p:ph type="dt" idx="1"/>
+          </p:nvPr>
+        </p:nvSpPr>
+        <p:spPr>
+          <a:xfrm>
+            <a:off x="3884613" y="0"/>
+            <a:ext cx="2971800" cy="458788"/>
+          </a:xfrm>
+          <a:prstGeom prst="rect">
+            <a:avLst/>
+          </a:prstGeom>
+        </p:spPr>
+        <p:txBody>
+          <a:bodyPr vert="horz" lIns="91440" tIns="45720" rIns="91440" bIns="45720" rtlCol="0"/>
+          <a:lstStyle>
+            <a:lvl1pPr algn="r">
+              <a:defRPr sz="1200"/>
+            </a:lvl1pPr>
+          </a:lstStyle>
+          <a:p>
+            <a:fld id="{234ED9E1-F218-C146-8905-49CC5BE5D9EF}" type="datetimeFigureOut">
+              <a:rPr lang="en-US" smtClean="0"/>
+              <a:t>5/20/17</a:t>
+            </a:fld>
+            <a:endParaRPr lang="en-US"/>
+          </a:p>
+        </p:txBody>
+      </p:sp>
+      <p:sp>
+        <p:nvSpPr>
+          <p:cNvPr id="4" name="Slide Image Placeholder 3"/>
+          <p:cNvSpPr>
+            <a:spLocks noGrp="1" noRot="1" noChangeAspect="1"/>
+          </p:cNvSpPr>
+          <p:nvPr>
+            <p:ph type="sldImg" idx="2"/>
+          </p:nvPr>
+        </p:nvSpPr>
+        <p:spPr>
+          <a:xfrm>
+            <a:off x="-42863" y="1143000"/>
+            <a:ext cx="6943726" cy="3086100"/>
+          </a:xfrm>
+          <a:prstGeom prst="rect">
+            <a:avLst/>
+          </a:prstGeom>
+          <a:noFill/>
+          <a:ln w="12700">
+            <a:solidFill>
+              <a:prstClr val="black"/>
+            </a:solidFill>
+          </a:ln>
+        </p:spPr>
+        <p:txBody>
+          <a:bodyPr vert="horz" lIns="91440" tIns="45720" rIns="91440" bIns="45720" rtlCol="0" anchor="ctr"/>
+          <a:lstStyle/>
+          <a:p>
+            <a:endParaRPr lang="en-US"/>
+          </a:p>
+        </p:txBody>
+      </p:sp>
+      <p:sp>
+        <p:nvSpPr>
+          <p:cNvPr id="5" name="Notes Placeholder 4"/>
+          <p:cNvSpPr>
+            <a:spLocks noGrp="1"/>
+          </p:cNvSpPr>
+          <p:nvPr>
+            <p:ph type="body" sz="quarter" idx="3"/>
+          </p:nvPr>
+        </p:nvSpPr>
+        <p:spPr>
+          <a:xfrm>
+            <a:off x="685800" y="4400550"/>
+            <a:ext cx="5486400" cy="3600450"/>
+          </a:xfrm>
+          <a:prstGeom prst="rect">
+            <a:avLst/>
+          </a:prstGeom>
+        </p:spPr>
+        <p:txBody>
+          <a:bodyPr vert="horz" lIns="91440" tIns="45720" rIns="91440" bIns="45720" rtlCol="0"/>
+          <a:lstStyle/>
+          <a:p>
+            <a:pPr lvl="0"/>
+            <a:r>
+              <a:rPr lang="en-US" smtClean="0"/>
+              <a:t>Click to edit Master text styles</a:t>
+            </a:r>
+          </a:p>
+          <a:p>
+            <a:pPr lvl="1"/>
+            <a:r>
+              <a:rPr lang="en-US" smtClean="0"/>
+              <a:t>Second level</a:t>
+            </a:r>
+          </a:p>
+          <a:p>
+            <a:pPr lvl="2"/>
+            <a:r>
+              <a:rPr lang="en-US" smtClean="0"/>
+              <a:t>Third level</a:t>
+            </a:r>
+          </a:p>
+          <a:p>
+            <a:pPr lvl="3"/>
+            <a:r>
+              <a:rPr lang="en-US" smtClean="0"/>
+              <a:t>Fourth level</a:t>
+            </a:r>
+          </a:p>
+          <a:p>
+            <a:pPr lvl="4"/>
+            <a:r>
+              <a:rPr lang="en-US" smtClean="0"/>
+              <a:t>Fifth level</a:t>
+            </a:r>
+            <a:endParaRPr lang="en-US"/>
+          </a:p>
+        </p:txBody>
+      </p:sp>
+      <p:sp>
+        <p:nvSpPr>
+          <p:cNvPr id="6" name="Footer Placeholder 5"/>
+          <p:cNvSpPr>
+            <a:spLocks noGrp="1"/>
+          </p:cNvSpPr>
+          <p:nvPr>
+            <p:ph type="ftr" sz="quarter" idx="4"/>
+          </p:nvPr>
+        </p:nvSpPr>
+        <p:spPr>
+          <a:xfrm>
+            <a:off x="0" y="8685213"/>
+            <a:ext cx="2971800" cy="458787"/>
+          </a:xfrm>
+          <a:prstGeom prst="rect">
+            <a:avLst/>
+          </a:prstGeom>
+        </p:spPr>
+        <p:txBody>
+          <a:bodyPr vert="horz" lIns="91440" tIns="45720" rIns="91440" bIns="45720" rtlCol="0" anchor="b"/>
+          <a:lstStyle>
+            <a:lvl1pPr algn="l">
+              <a:defRPr sz="1200"/>
+            </a:lvl1pPr>
+          </a:lstStyle>
+          <a:p>
+            <a:endParaRPr lang="en-US"/>
+          </a:p>
+        </p:txBody>
+      </p:sp>
+      <p:sp>
+        <p:nvSpPr>
+          <p:cNvPr id="7" name="Slide Number Placeholder 6"/>
+          <p:cNvSpPr>
+            <a:spLocks noGrp="1"/>
+          </p:cNvSpPr>
+          <p:nvPr>
+            <p:ph type="sldNum" sz="quarter" idx="5"/>
+          </p:nvPr>
+        </p:nvSpPr>
+        <p:spPr>
+          <a:xfrm>
+            <a:off x="3884613" y="8685213"/>
+            <a:ext cx="2971800" cy="458787"/>
+          </a:xfrm>
+          <a:prstGeom prst="rect">
+            <a:avLst/>
+          </a:prstGeom>
+        </p:spPr>
+        <p:txBody>
+          <a:bodyPr vert="horz" lIns="91440" tIns="45720" rIns="91440" bIns="45720" rtlCol="0" anchor="b"/>
+          <a:lstStyle>
+            <a:lvl1pPr algn="r">
+              <a:defRPr sz="1200"/>
+            </a:lvl1pPr>
+          </a:lstStyle>
+          <a:p>
+            <a:fld id="{6F39EF14-C12A-CF4E-98EF-9FAEAD6E0FF7}" type="slidenum">
+              <a:rPr lang="en-US" smtClean="0"/>
+              <a:t>‹#›</a:t>
+            </a:fld>
+            <a:endParaRPr lang="en-US"/>
+          </a:p>
+        </p:txBody>
+      </p:sp>
+    </p:spTree>
+    <p:extLst>
+      <p:ext uri="{BB962C8B-B14F-4D97-AF65-F5344CB8AC3E}">
+        <p14:creationId xmlns:p14="http://schemas.microsoft.com/office/powerpoint/2010/main" val="799674747"/>
+      </p:ext>
+    </p:extLst>
+  </p:cSld>
+  <p:clrMap bg1="lt1" tx1="dk1" bg2="lt2" tx2="dk2" accent1="accent1" accent2="accent2" accent3="accent3" accent4="accent4" accent5="accent5" accent6="accent6" hlink="hlink" folHlink="folHlink"/>
+  <p:notesStyle>
+    <a:lvl1pPr marL="0" algn="l" defTabSz="914400" rtl="0" eaLnBrk="1" latinLnBrk="0" hangingPunct="1">
+      <a:defRPr sz="1200" kern="1200">
+        <a:solidFill>
+          <a:schemeClr val="tx1"/>
+        </a:solidFill>
+        <a:latin typeface="+mn-lt"/>
+        <a:ea typeface="+mn-ea"/>
+        <a:cs typeface="+mn-cs"/>
+      </a:defRPr>
+    </a:lvl1pPr>
+    <a:lvl2pPr marL="457200" algn="l" defTabSz="914400" rtl="0" eaLnBrk="1" latinLnBrk="0" hangingPunct="1">
+      <a:defRPr sz="1200" kern="1200">
+        <a:solidFill>
+          <a:schemeClr val="tx1"/>
+        </a:solidFill>
+        <a:latin typeface="+mn-lt"/>
+        <a:ea typeface="+mn-ea"/>
+        <a:cs typeface="+mn-cs"/>
+      </a:defRPr>
+    </a:lvl2pPr>
+    <a:lvl3pPr marL="914400" algn="l" defTabSz="914400" rtl="0" eaLnBrk="1" latinLnBrk="0" hangingPunct="1">
+      <a:defRPr sz="1200" kern="1200">
+        <a:solidFill>
+          <a:schemeClr val="tx1"/>
+        </a:solidFill>
+        <a:latin typeface="+mn-lt"/>
+        <a:ea typeface="+mn-ea"/>
+        <a:cs typeface="+mn-cs"/>
+      </a:defRPr>
+    </a:lvl3pPr>
+    <a:lvl4pPr marL="1371600" algn="l" defTabSz="914400" rtl="0" eaLnBrk="1" latinLnBrk="0" hangingPunct="1">
+      <a:defRPr sz="1200" kern="1200">
+        <a:solidFill>
+          <a:schemeClr val="tx1"/>
+        </a:solidFill>
+        <a:latin typeface="+mn-lt"/>
+        <a:ea typeface="+mn-ea"/>
+        <a:cs typeface="+mn-cs"/>
+      </a:defRPr>
+    </a:lvl4pPr>
+    <a:lvl5pPr marL="1828800" algn="l" defTabSz="914400" rtl="0" eaLnBrk="1" latinLnBrk="0" hangingPunct="1">
+      <a:defRPr sz="1200" kern="1200">
+        <a:solidFill>
+          <a:schemeClr val="tx1"/>
+        </a:solidFill>
+        <a:latin typeface="+mn-lt"/>
+        <a:ea typeface="+mn-ea"/>
+        <a:cs typeface="+mn-cs"/>
+      </a:defRPr>
+    </a:lvl5pPr>
+    <a:lvl6pPr marL="2286000" algn="l" defTabSz="914400" rtl="0" eaLnBrk="1" latinLnBrk="0" hangingPunct="1">
+      <a:defRPr sz="1200" kern="1200">
+        <a:solidFill>
+          <a:schemeClr val="tx1"/>
+        </a:solidFill>
+        <a:latin typeface="+mn-lt"/>
+        <a:ea typeface="+mn-ea"/>
+        <a:cs typeface="+mn-cs"/>
+      </a:defRPr>
+    </a:lvl6pPr>
+    <a:lvl7pPr marL="2743200" algn="l" defTabSz="914400" rtl="0" eaLnBrk="1" latinLnBrk="0" hangingPunct="1">
+      <a:defRPr sz="1200" kern="1200">
+        <a:solidFill>
+          <a:schemeClr val="tx1"/>
+        </a:solidFill>
+        <a:latin typeface="+mn-lt"/>
+        <a:ea typeface="+mn-ea"/>
+        <a:cs typeface="+mn-cs"/>
+      </a:defRPr>
+    </a:lvl7pPr>
+    <a:lvl8pPr marL="3200400" algn="l" defTabSz="914400" rtl="0" eaLnBrk="1" latinLnBrk="0" hangingPunct="1">
+      <a:defRPr sz="1200" kern="1200">
+        <a:solidFill>
+          <a:schemeClr val="tx1"/>
+        </a:solidFill>
+        <a:latin typeface="+mn-lt"/>
+        <a:ea typeface="+mn-ea"/>
+        <a:cs typeface="+mn-cs"/>
+      </a:defRPr>
+    </a:lvl8pPr>
+    <a:lvl9pPr marL="3657600" algn="l" defTabSz="914400" rtl="0" eaLnBrk="1" latinLnBrk="0" hangingPunct="1">
+      <a:defRPr sz="1200" kern="1200">
+        <a:solidFill>
+          <a:schemeClr val="tx1"/>
+        </a:solidFill>
+        <a:latin typeface="+mn-lt"/>
+        <a:ea typeface="+mn-ea"/>
+        <a:cs typeface="+mn-cs"/>
+      </a:defRPr>
+    </a:lvl9pPr>
+  </p:notesStyle>
+</p:notesMaster>
 </file>
 
 <file path=ppt/slideLayouts/slideLayout1.xml><?xml version="1.0" encoding="utf-8"?>
@@ -238,7 +597,7 @@
           <a:p>
             <a:fld id="{6BEE9317-30CC-7C49-B555-F232CBED8BD6}" type="datetimeFigureOut">
               <a:rPr lang="en-US" smtClean="0"/>
-              <a:t>5/12/17</a:t>
+              <a:t>5/20/17</a:t>
             </a:fld>
             <a:endParaRPr lang="en-US"/>
           </a:p>
@@ -403,7 +762,7 @@
           <a:p>
             <a:fld id="{6BEE9317-30CC-7C49-B555-F232CBED8BD6}" type="datetimeFigureOut">
               <a:rPr lang="en-US" smtClean="0"/>
-              <a:t>5/12/17</a:t>
+              <a:t>5/20/17</a:t>
             </a:fld>
             <a:endParaRPr lang="en-US"/>
           </a:p>
@@ -578,7 +937,7 @@
           <a:p>
             <a:fld id="{6BEE9317-30CC-7C49-B555-F232CBED8BD6}" type="datetimeFigureOut">
               <a:rPr lang="en-US" smtClean="0"/>
-              <a:t>5/12/17</a:t>
+              <a:t>5/20/17</a:t>
             </a:fld>
             <a:endParaRPr lang="en-US"/>
           </a:p>
@@ -743,7 +1102,7 @@
           <a:p>
             <a:fld id="{6BEE9317-30CC-7C49-B555-F232CBED8BD6}" type="datetimeFigureOut">
               <a:rPr lang="en-US" smtClean="0"/>
-              <a:t>5/12/17</a:t>
+              <a:t>5/20/17</a:t>
             </a:fld>
             <a:endParaRPr lang="en-US"/>
           </a:p>
@@ -984,7 +1343,7 @@
           <a:p>
             <a:fld id="{6BEE9317-30CC-7C49-B555-F232CBED8BD6}" type="datetimeFigureOut">
               <a:rPr lang="en-US" smtClean="0"/>
-              <a:t>5/12/17</a:t>
+              <a:t>5/20/17</a:t>
             </a:fld>
             <a:endParaRPr lang="en-US"/>
           </a:p>
@@ -1211,7 +1570,7 @@
           <a:p>
             <a:fld id="{6BEE9317-30CC-7C49-B555-F232CBED8BD6}" type="datetimeFigureOut">
               <a:rPr lang="en-US" smtClean="0"/>
-              <a:t>5/12/17</a:t>
+              <a:t>5/20/17</a:t>
             </a:fld>
             <a:endParaRPr lang="en-US"/>
           </a:p>
@@ -1573,7 +1932,7 @@
           <a:p>
             <a:fld id="{6BEE9317-30CC-7C49-B555-F232CBED8BD6}" type="datetimeFigureOut">
               <a:rPr lang="en-US" smtClean="0"/>
-              <a:t>5/12/17</a:t>
+              <a:t>5/20/17</a:t>
             </a:fld>
             <a:endParaRPr lang="en-US"/>
           </a:p>
@@ -1686,7 +2045,7 @@
           <a:p>
             <a:fld id="{6BEE9317-30CC-7C49-B555-F232CBED8BD6}" type="datetimeFigureOut">
               <a:rPr lang="en-US" smtClean="0"/>
-              <a:t>5/12/17</a:t>
+              <a:t>5/20/17</a:t>
             </a:fld>
             <a:endParaRPr lang="en-US"/>
           </a:p>
@@ -1776,7 +2135,7 @@
           <a:p>
             <a:fld id="{6BEE9317-30CC-7C49-B555-F232CBED8BD6}" type="datetimeFigureOut">
               <a:rPr lang="en-US" smtClean="0"/>
-              <a:t>5/12/17</a:t>
+              <a:t>5/20/17</a:t>
             </a:fld>
             <a:endParaRPr lang="en-US"/>
           </a:p>
@@ -2048,7 +2407,7 @@
           <a:p>
             <a:fld id="{6BEE9317-30CC-7C49-B555-F232CBED8BD6}" type="datetimeFigureOut">
               <a:rPr lang="en-US" smtClean="0"/>
-              <a:t>5/12/17</a:t>
+              <a:t>5/20/17</a:t>
             </a:fld>
             <a:endParaRPr lang="en-US"/>
           </a:p>
@@ -2300,7 +2659,7 @@
           <a:p>
             <a:fld id="{6BEE9317-30CC-7C49-B555-F232CBED8BD6}" type="datetimeFigureOut">
               <a:rPr lang="en-US" smtClean="0"/>
-              <a:t>5/12/17</a:t>
+              <a:t>5/20/17</a:t>
             </a:fld>
             <a:endParaRPr lang="en-US"/>
           </a:p>
@@ -2508,7 +2867,7 @@
           <a:p>
             <a:fld id="{6BEE9317-30CC-7C49-B555-F232CBED8BD6}" type="datetimeFigureOut">
               <a:rPr lang="en-US" smtClean="0"/>
-              <a:t>5/12/17</a:t>
+              <a:t>5/20/17</a:t>
             </a:fld>
             <a:endParaRPr lang="en-US"/>
           </a:p>
@@ -2913,8 +3272,8 @@
           <a:chExt cx="0" cy="0"/>
         </a:xfrm>
       </p:grpSpPr>
-      <mc:AlternateContent xmlns:mc="http://schemas.openxmlformats.org/markup-compatibility/2006">
-        <mc:Choice xmlns:a14="http://schemas.microsoft.com/office/drawing/2010/main" Requires="a14">
+      <mc:AlternateContent xmlns:mc="http://schemas.openxmlformats.org/markup-compatibility/2006" xmlns:a14="http://schemas.microsoft.com/office/drawing/2010/main">
+        <mc:Choice Requires="a14">
           <p:sp>
             <p:nvSpPr>
               <p:cNvPr id="5" name="TextBox 4"/>
@@ -2959,21 +3318,8 @@
                     <a:ea typeface="Palatino" charset="0"/>
                     <a:cs typeface="Palatino" charset="0"/>
                   </a:rPr>
-                  <a:t>belief</a:t>
+                  <a:t>belief </a:t>
                 </a:r>
-                <a:r>
-                  <a:rPr lang="en-US" sz="2800" dirty="0">
-                    <a:latin typeface="Palatino" charset="0"/>
-                    <a:ea typeface="Palatino" charset="0"/>
-                    <a:cs typeface="Palatino" charset="0"/>
-                  </a:rPr>
-                  <a:t> </a:t>
-                </a:r>
-                <a:endParaRPr lang="en-US" sz="2800" dirty="0">
-                  <a:latin typeface="Palatino" charset="0"/>
-                  <a:ea typeface="Palatino" charset="0"/>
-                  <a:cs typeface="Palatino" charset="0"/>
-                </a:endParaRPr>
               </a:p>
               <a:p>
                 <a:pPr/>
@@ -3069,7 +3415,826 @@
             </p:txBody>
           </p:sp>
         </mc:Choice>
-        <mc:Fallback>
+        <mc:Fallback xmlns="">
+          <p:sp>
+            <p:nvSpPr>
+              <p:cNvPr id="5" name="TextBox 4"/>
+              <p:cNvSpPr txBox="1">
+                <a:spLocks noRot="1" noChangeAspect="1" noMove="1" noResize="1" noEditPoints="1" noAdjustHandles="1" noChangeArrowheads="1" noChangeShapeType="1" noTextEdit="1"/>
+              </p:cNvSpPr>
+              <p:nvPr/>
+            </p:nvSpPr>
+            <p:spPr>
+              <a:xfrm>
+                <a:off x="19826292" y="6799462"/>
+                <a:ext cx="2539281" cy="963597"/>
+              </a:xfrm>
+              <a:prstGeom prst="rect">
+                <a:avLst/>
+              </a:prstGeom>
+              <a:blipFill rotWithShape="0">
+                <a:blip r:embed="rId2"/>
+                <a:stretch>
+                  <a:fillRect l="-4796" t="-6962" r="-3118"/>
+                </a:stretch>
+              </a:blipFill>
+            </p:spPr>
+            <p:txBody>
+              <a:bodyPr/>
+              <a:lstStyle/>
+              <a:p>
+                <a:r>
+                  <a:rPr lang="en-US">
+                    <a:noFill/>
+                  </a:rPr>
+                  <a:t> </a:t>
+                </a:r>
+              </a:p>
+            </p:txBody>
+          </p:sp>
+        </mc:Fallback>
+      </mc:AlternateContent>
+      <p:grpSp>
+        <p:nvGrpSpPr>
+          <p:cNvPr id="6" name="Group 5"/>
+          <p:cNvGrpSpPr>
+            <a:grpSpLocks noChangeAspect="1"/>
+          </p:cNvGrpSpPr>
+          <p:nvPr/>
+        </p:nvGrpSpPr>
+        <p:grpSpPr>
+          <a:xfrm>
+            <a:off x="5370699" y="380757"/>
+            <a:ext cx="2338710" cy="2834640"/>
+            <a:chOff x="5210073" y="9294246"/>
+            <a:chExt cx="3578270" cy="4161407"/>
+          </a:xfrm>
+        </p:grpSpPr>
+        <p:pic>
+          <p:nvPicPr>
+            <p:cNvPr id="7" name="Picture 6"/>
+            <p:cNvPicPr>
+              <a:picLocks noChangeAspect="1"/>
+            </p:cNvPicPr>
+            <p:nvPr/>
+          </p:nvPicPr>
+          <p:blipFill rotWithShape="1">
+            <a:blip r:embed="rId3">
+              <a:alphaModFix amt="70000"/>
+              <a:extLst>
+                <a:ext uri="{28A0092B-C50C-407E-A947-70E740481C1C}">
+                  <a14:useLocalDpi xmlns:a14="http://schemas.microsoft.com/office/drawing/2010/main"/>
+                </a:ext>
+              </a:extLst>
+            </a:blip>
+            <a:srcRect l="13485" r="16739"/>
+            <a:stretch/>
+          </p:blipFill>
+          <p:spPr>
+            <a:xfrm>
+              <a:off x="5210073" y="9294246"/>
+              <a:ext cx="3578270" cy="4161407"/>
+            </a:xfrm>
+            <a:prstGeom prst="rect">
+              <a:avLst/>
+            </a:prstGeom>
+            <a:noFill/>
+          </p:spPr>
+        </p:pic>
+        <p:cxnSp>
+          <p:nvCxnSpPr>
+            <p:cNvPr id="8" name="Curved Connector 7"/>
+            <p:cNvCxnSpPr/>
+            <p:nvPr/>
+          </p:nvCxnSpPr>
+          <p:spPr>
+            <a:xfrm rot="5400000" flipH="1" flipV="1">
+              <a:off x="5808269" y="10902905"/>
+              <a:ext cx="2355236" cy="26648"/>
+            </a:xfrm>
+            <a:prstGeom prst="curvedConnector3">
+              <a:avLst/>
+            </a:prstGeom>
+            <a:ln w="63500">
+              <a:solidFill>
+                <a:schemeClr val="bg1"/>
+              </a:solidFill>
+              <a:prstDash val="dash"/>
+              <a:tailEnd type="triangle"/>
+            </a:ln>
+          </p:spPr>
+          <p:style>
+            <a:lnRef idx="1">
+              <a:schemeClr val="accent1"/>
+            </a:lnRef>
+            <a:fillRef idx="0">
+              <a:schemeClr val="accent1"/>
+            </a:fillRef>
+            <a:effectRef idx="0">
+              <a:schemeClr val="accent1"/>
+            </a:effectRef>
+            <a:fontRef idx="minor">
+              <a:schemeClr val="tx1"/>
+            </a:fontRef>
+          </p:style>
+        </p:cxnSp>
+        <p:sp>
+          <p:nvSpPr>
+            <p:cNvPr id="9" name="Oval 8"/>
+            <p:cNvSpPr>
+              <a:spLocks noChangeAspect="1"/>
+            </p:cNvSpPr>
+            <p:nvPr/>
+          </p:nvSpPr>
+          <p:spPr>
+            <a:xfrm>
+              <a:off x="6816328" y="9365299"/>
+              <a:ext cx="365760" cy="365760"/>
+            </a:xfrm>
+            <a:prstGeom prst="ellipse">
+              <a:avLst/>
+            </a:prstGeom>
+            <a:solidFill>
+              <a:schemeClr val="bg1"/>
+            </a:solidFill>
+            <a:ln>
+              <a:noFill/>
+            </a:ln>
+          </p:spPr>
+          <p:style>
+            <a:lnRef idx="2">
+              <a:schemeClr val="accent1">
+                <a:shade val="50000"/>
+              </a:schemeClr>
+            </a:lnRef>
+            <a:fillRef idx="1">
+              <a:schemeClr val="accent1"/>
+            </a:fillRef>
+            <a:effectRef idx="0">
+              <a:schemeClr val="accent1"/>
+            </a:effectRef>
+            <a:fontRef idx="minor">
+              <a:schemeClr val="lt1"/>
+            </a:fontRef>
+          </p:style>
+          <p:txBody>
+            <a:bodyPr rtlCol="0" anchor="ctr"/>
+            <a:lstStyle/>
+            <a:p>
+              <a:pPr algn="ctr"/>
+              <a:r>
+                <a:rPr lang="en-US" i="1" dirty="0" smtClean="0">
+                  <a:solidFill>
+                    <a:schemeClr val="tx1"/>
+                  </a:solidFill>
+                  <a:latin typeface="Palatino" charset="0"/>
+                  <a:ea typeface="Palatino" charset="0"/>
+                  <a:cs typeface="Palatino" charset="0"/>
+                </a:rPr>
+                <a:t>1</a:t>
+              </a:r>
+              <a:endParaRPr lang="en-US" i="1" dirty="0">
+                <a:solidFill>
+                  <a:schemeClr val="tx1"/>
+                </a:solidFill>
+                <a:latin typeface="Palatino" charset="0"/>
+                <a:ea typeface="Palatino" charset="0"/>
+                <a:cs typeface="Palatino" charset="0"/>
+              </a:endParaRPr>
+            </a:p>
+          </p:txBody>
+        </p:sp>
+        <p:pic>
+          <p:nvPicPr>
+            <p:cNvPr id="10" name="Picture 9"/>
+            <p:cNvPicPr>
+              <a:picLocks noChangeAspect="1"/>
+            </p:cNvPicPr>
+            <p:nvPr/>
+          </p:nvPicPr>
+          <p:blipFill>
+            <a:blip r:embed="rId4" cstate="print">
+              <a:extLst>
+                <a:ext uri="{28A0092B-C50C-407E-A947-70E740481C1C}">
+                  <a14:useLocalDpi xmlns:a14="http://schemas.microsoft.com/office/drawing/2010/main"/>
+                </a:ext>
+              </a:extLst>
+            </a:blip>
+            <a:stretch>
+              <a:fillRect/>
+            </a:stretch>
+          </p:blipFill>
+          <p:spPr>
+            <a:xfrm rot="16200000">
+              <a:off x="6466948" y="12325142"/>
+              <a:ext cx="1011230" cy="548640"/>
+            </a:xfrm>
+            <a:prstGeom prst="rect">
+              <a:avLst/>
+            </a:prstGeom>
+          </p:spPr>
+        </p:pic>
+        <p:cxnSp>
+          <p:nvCxnSpPr>
+            <p:cNvPr id="11" name="Curved Connector 10"/>
+            <p:cNvCxnSpPr/>
+            <p:nvPr/>
+          </p:nvCxnSpPr>
+          <p:spPr>
+            <a:xfrm rot="5400000" flipH="1" flipV="1">
+              <a:off x="6219588" y="10514898"/>
+              <a:ext cx="2331925" cy="825974"/>
+            </a:xfrm>
+            <a:prstGeom prst="curvedConnector3">
+              <a:avLst>
+                <a:gd name="adj1" fmla="val 27780"/>
+              </a:avLst>
+            </a:prstGeom>
+            <a:ln w="63500">
+              <a:solidFill>
+                <a:schemeClr val="bg1"/>
+              </a:solidFill>
+              <a:prstDash val="dash"/>
+              <a:tailEnd type="triangle"/>
+            </a:ln>
+          </p:spPr>
+          <p:style>
+            <a:lnRef idx="1">
+              <a:schemeClr val="accent1"/>
+            </a:lnRef>
+            <a:fillRef idx="0">
+              <a:schemeClr val="accent1"/>
+            </a:fillRef>
+            <a:effectRef idx="0">
+              <a:schemeClr val="accent1"/>
+            </a:effectRef>
+            <a:fontRef idx="minor">
+              <a:schemeClr val="tx1"/>
+            </a:fontRef>
+          </p:style>
+        </p:cxnSp>
+        <p:cxnSp>
+          <p:nvCxnSpPr>
+            <p:cNvPr id="12" name="Curved Connector 11"/>
+            <p:cNvCxnSpPr/>
+            <p:nvPr/>
+          </p:nvCxnSpPr>
+          <p:spPr>
+            <a:xfrm rot="16200000" flipV="1">
+              <a:off x="7039870" y="11615830"/>
+              <a:ext cx="1436818" cy="5"/>
+            </a:xfrm>
+            <a:prstGeom prst="curvedConnector3">
+              <a:avLst/>
+            </a:prstGeom>
+            <a:ln w="63500">
+              <a:gradFill flip="none" rotWithShape="1">
+                <a:gsLst>
+                  <a:gs pos="0">
+                    <a:srgbClr val="F6F9FC">
+                      <a:alpha val="0"/>
+                    </a:srgbClr>
+                  </a:gs>
+                  <a:gs pos="88000">
+                    <a:srgbClr val="FE6400"/>
+                  </a:gs>
+                </a:gsLst>
+                <a:lin ang="10800000" scaled="1"/>
+                <a:tileRect/>
+              </a:gradFill>
+              <a:prstDash val="dash"/>
+              <a:tailEnd type="triangle"/>
+            </a:ln>
+          </p:spPr>
+          <p:style>
+            <a:lnRef idx="1">
+              <a:schemeClr val="accent1"/>
+            </a:lnRef>
+            <a:fillRef idx="0">
+              <a:schemeClr val="accent1"/>
+            </a:fillRef>
+            <a:effectRef idx="0">
+              <a:schemeClr val="accent1"/>
+            </a:effectRef>
+            <a:fontRef idx="minor">
+              <a:schemeClr val="tx1"/>
+            </a:fontRef>
+          </p:style>
+        </p:cxnSp>
+        <p:pic>
+          <p:nvPicPr>
+            <p:cNvPr id="13" name="Picture 12"/>
+            <p:cNvPicPr>
+              <a:picLocks noChangeAspect="1"/>
+            </p:cNvPicPr>
+            <p:nvPr/>
+          </p:nvPicPr>
+          <p:blipFill>
+            <a:blip r:embed="rId5" cstate="print">
+              <a:extLst>
+                <a:ext uri="{28A0092B-C50C-407E-A947-70E740481C1C}">
+                  <a14:useLocalDpi xmlns:a14="http://schemas.microsoft.com/office/drawing/2010/main"/>
+                </a:ext>
+              </a:extLst>
+            </a:blip>
+            <a:stretch>
+              <a:fillRect/>
+            </a:stretch>
+          </p:blipFill>
+          <p:spPr>
+            <a:xfrm rot="16200000">
+              <a:off x="7252661" y="12441023"/>
+              <a:ext cx="1011230" cy="548640"/>
+            </a:xfrm>
+            <a:prstGeom prst="rect">
+              <a:avLst/>
+            </a:prstGeom>
+          </p:spPr>
+        </p:pic>
+        <p:sp>
+          <p:nvSpPr>
+            <p:cNvPr id="14" name="Oval 13"/>
+            <p:cNvSpPr>
+              <a:spLocks noChangeAspect="1"/>
+            </p:cNvSpPr>
+            <p:nvPr/>
+          </p:nvSpPr>
+          <p:spPr>
+            <a:xfrm>
+              <a:off x="7598065" y="9378095"/>
+              <a:ext cx="365760" cy="365760"/>
+            </a:xfrm>
+            <a:prstGeom prst="ellipse">
+              <a:avLst/>
+            </a:prstGeom>
+            <a:solidFill>
+              <a:schemeClr val="bg1"/>
+            </a:solidFill>
+            <a:ln>
+              <a:noFill/>
+            </a:ln>
+          </p:spPr>
+          <p:style>
+            <a:lnRef idx="2">
+              <a:schemeClr val="accent1">
+                <a:shade val="50000"/>
+              </a:schemeClr>
+            </a:lnRef>
+            <a:fillRef idx="1">
+              <a:schemeClr val="accent1"/>
+            </a:fillRef>
+            <a:effectRef idx="0">
+              <a:schemeClr val="accent1"/>
+            </a:effectRef>
+            <a:fontRef idx="minor">
+              <a:schemeClr val="lt1"/>
+            </a:fontRef>
+          </p:style>
+          <p:txBody>
+            <a:bodyPr rtlCol="0" anchor="ctr"/>
+            <a:lstStyle/>
+            <a:p>
+              <a:pPr algn="ctr"/>
+              <a:r>
+                <a:rPr lang="en-US" i="1" dirty="0" smtClean="0">
+                  <a:solidFill>
+                    <a:schemeClr val="tx1"/>
+                  </a:solidFill>
+                  <a:latin typeface="Palatino" charset="0"/>
+                  <a:ea typeface="Palatino" charset="0"/>
+                  <a:cs typeface="Palatino" charset="0"/>
+                </a:rPr>
+                <a:t>2</a:t>
+              </a:r>
+              <a:endParaRPr lang="en-US" i="1" dirty="0">
+                <a:solidFill>
+                  <a:schemeClr val="tx1"/>
+                </a:solidFill>
+                <a:latin typeface="Palatino" charset="0"/>
+                <a:ea typeface="Palatino" charset="0"/>
+                <a:cs typeface="Palatino" charset="0"/>
+              </a:endParaRPr>
+            </a:p>
+          </p:txBody>
+        </p:sp>
+      </p:grpSp>
+      <p:pic>
+        <p:nvPicPr>
+          <p:cNvPr id="16" name="Picture 15"/>
+          <p:cNvPicPr>
+            <a:picLocks noChangeAspect="1"/>
+          </p:cNvPicPr>
+          <p:nvPr/>
+        </p:nvPicPr>
+        <p:blipFill rotWithShape="1">
+          <a:blip r:embed="rId6">
+            <a:extLst>
+              <a:ext uri="{28A0092B-C50C-407E-A947-70E740481C1C}">
+                <a14:useLocalDpi xmlns:a14="http://schemas.microsoft.com/office/drawing/2010/main" val="0"/>
+              </a:ext>
+            </a:extLst>
+          </a:blip>
+          <a:srcRect l="16975" t="2424" b="3721"/>
+          <a:stretch/>
+        </p:blipFill>
+        <p:spPr>
+          <a:xfrm flipH="1">
+            <a:off x="456676" y="380757"/>
+            <a:ext cx="4515738" cy="2834640"/>
+          </a:xfrm>
+          <a:prstGeom prst="rect">
+            <a:avLst/>
+          </a:prstGeom>
+        </p:spPr>
+      </p:pic>
+      <p:cxnSp>
+        <p:nvCxnSpPr>
+          <p:cNvPr id="17" name="Straight Arrow Connector 16"/>
+          <p:cNvCxnSpPr/>
+          <p:nvPr/>
+        </p:nvCxnSpPr>
+        <p:spPr>
+          <a:xfrm flipV="1">
+            <a:off x="1431654" y="1846003"/>
+            <a:ext cx="1425247" cy="348062"/>
+          </a:xfrm>
+          <a:prstGeom prst="straightConnector1">
+            <a:avLst/>
+          </a:prstGeom>
+          <a:ln w="63500">
+            <a:solidFill>
+              <a:schemeClr val="bg1"/>
+            </a:solidFill>
+            <a:tailEnd type="triangle"/>
+          </a:ln>
+        </p:spPr>
+        <p:style>
+          <a:lnRef idx="1">
+            <a:schemeClr val="accent1"/>
+          </a:lnRef>
+          <a:fillRef idx="0">
+            <a:schemeClr val="accent1"/>
+          </a:fillRef>
+          <a:effectRef idx="0">
+            <a:schemeClr val="accent1"/>
+          </a:effectRef>
+          <a:fontRef idx="minor">
+            <a:schemeClr val="tx1"/>
+          </a:fontRef>
+        </p:style>
+      </p:cxnSp>
+      <p:cxnSp>
+        <p:nvCxnSpPr>
+          <p:cNvPr id="18" name="Straight Arrow Connector 17"/>
+          <p:cNvCxnSpPr/>
+          <p:nvPr/>
+        </p:nvCxnSpPr>
+        <p:spPr>
+          <a:xfrm flipV="1">
+            <a:off x="1431653" y="1232173"/>
+            <a:ext cx="891858" cy="961892"/>
+          </a:xfrm>
+          <a:prstGeom prst="straightConnector1">
+            <a:avLst/>
+          </a:prstGeom>
+          <a:ln w="63500">
+            <a:solidFill>
+              <a:schemeClr val="bg1"/>
+            </a:solidFill>
+            <a:tailEnd type="triangle"/>
+          </a:ln>
+        </p:spPr>
+        <p:style>
+          <a:lnRef idx="1">
+            <a:schemeClr val="accent1"/>
+          </a:lnRef>
+          <a:fillRef idx="0">
+            <a:schemeClr val="accent1"/>
+          </a:fillRef>
+          <a:effectRef idx="0">
+            <a:schemeClr val="accent1"/>
+          </a:effectRef>
+          <a:fontRef idx="minor">
+            <a:schemeClr val="tx1"/>
+          </a:fontRef>
+        </p:style>
+      </p:cxnSp>
+      <p:sp>
+        <p:nvSpPr>
+          <p:cNvPr id="19" name="Oval 18"/>
+          <p:cNvSpPr/>
+          <p:nvPr/>
+        </p:nvSpPr>
+        <p:spPr>
+          <a:xfrm>
+            <a:off x="1340214" y="2091093"/>
+            <a:ext cx="182880" cy="182880"/>
+          </a:xfrm>
+          <a:prstGeom prst="ellipse">
+            <a:avLst/>
+          </a:prstGeom>
+          <a:solidFill>
+            <a:schemeClr val="bg1"/>
+          </a:solidFill>
+          <a:ln>
+            <a:solidFill>
+              <a:schemeClr val="bg1"/>
+            </a:solidFill>
+          </a:ln>
+        </p:spPr>
+        <p:style>
+          <a:lnRef idx="2">
+            <a:schemeClr val="accent1">
+              <a:shade val="50000"/>
+            </a:schemeClr>
+          </a:lnRef>
+          <a:fillRef idx="1">
+            <a:schemeClr val="accent1"/>
+          </a:fillRef>
+          <a:effectRef idx="0">
+            <a:schemeClr val="accent1"/>
+          </a:effectRef>
+          <a:fontRef idx="minor">
+            <a:schemeClr val="lt1"/>
+          </a:fontRef>
+        </p:style>
+        <p:txBody>
+          <a:bodyPr rtlCol="0" anchor="ctr"/>
+          <a:lstStyle/>
+          <a:p>
+            <a:pPr algn="ctr"/>
+            <a:endParaRPr lang="en-US"/>
+          </a:p>
+        </p:txBody>
+      </p:sp>
+      <p:sp>
+        <p:nvSpPr>
+          <p:cNvPr id="22" name="TextBox 21"/>
+          <p:cNvSpPr txBox="1"/>
+          <p:nvPr/>
+        </p:nvSpPr>
+        <p:spPr>
+          <a:xfrm>
+            <a:off x="1340214" y="3272747"/>
+            <a:ext cx="2754492" cy="400110"/>
+          </a:xfrm>
+          <a:prstGeom prst="rect">
+            <a:avLst/>
+          </a:prstGeom>
+          <a:noFill/>
+        </p:spPr>
+        <p:txBody>
+          <a:bodyPr wrap="square" rtlCol="0">
+            <a:spAutoFit/>
+          </a:bodyPr>
+          <a:lstStyle/>
+          <a:p>
+            <a:pPr algn="ctr"/>
+            <a:r>
+              <a:rPr lang="en-US" sz="2000" dirty="0" smtClean="0">
+                <a:latin typeface="Palatino" charset="0"/>
+                <a:ea typeface="Palatino" charset="0"/>
+                <a:cs typeface="Palatino" charset="0"/>
+              </a:rPr>
+              <a:t>(</a:t>
+            </a:r>
+            <a:r>
+              <a:rPr lang="en-US" sz="2000" smtClean="0">
+                <a:latin typeface="Palatino" charset="0"/>
+                <a:ea typeface="Palatino" charset="0"/>
+                <a:cs typeface="Palatino" charset="0"/>
+              </a:rPr>
+              <a:t>a) Merge Example</a:t>
+            </a:r>
+            <a:endParaRPr lang="en-US" sz="2000" dirty="0">
+              <a:latin typeface="Palatino" charset="0"/>
+              <a:ea typeface="Palatino" charset="0"/>
+              <a:cs typeface="Palatino" charset="0"/>
+            </a:endParaRPr>
+          </a:p>
+        </p:txBody>
+      </p:sp>
+      <p:sp>
+        <p:nvSpPr>
+          <p:cNvPr id="23" name="TextBox 22"/>
+          <p:cNvSpPr txBox="1"/>
+          <p:nvPr/>
+        </p:nvSpPr>
+        <p:spPr>
+          <a:xfrm>
+            <a:off x="5570853" y="3284088"/>
+            <a:ext cx="1938401" cy="400110"/>
+          </a:xfrm>
+          <a:prstGeom prst="rect">
+            <a:avLst/>
+          </a:prstGeom>
+          <a:noFill/>
+        </p:spPr>
+        <p:txBody>
+          <a:bodyPr wrap="square" rtlCol="0">
+            <a:spAutoFit/>
+          </a:bodyPr>
+          <a:lstStyle/>
+          <a:p>
+            <a:pPr algn="ctr"/>
+            <a:r>
+              <a:rPr lang="en-US" sz="2000" dirty="0" smtClean="0">
+                <a:latin typeface="Palatino" charset="0"/>
+                <a:ea typeface="Palatino" charset="0"/>
+                <a:cs typeface="Palatino" charset="0"/>
+              </a:rPr>
+              <a:t>(b</a:t>
+            </a:r>
+            <a:r>
+              <a:rPr lang="en-US" sz="2000" smtClean="0">
+                <a:latin typeface="Palatino" charset="0"/>
+                <a:ea typeface="Palatino" charset="0"/>
+                <a:cs typeface="Palatino" charset="0"/>
+              </a:rPr>
+              <a:t>) Simulation</a:t>
+            </a:r>
+            <a:endParaRPr lang="en-US" sz="2000" dirty="0">
+              <a:latin typeface="Palatino" charset="0"/>
+              <a:ea typeface="Palatino" charset="0"/>
+              <a:cs typeface="Palatino" charset="0"/>
+            </a:endParaRPr>
+          </a:p>
+        </p:txBody>
+      </p:sp>
+    </p:spTree>
+    <p:extLst>
+      <p:ext uri="{BB962C8B-B14F-4D97-AF65-F5344CB8AC3E}">
+        <p14:creationId xmlns:p14="http://schemas.microsoft.com/office/powerpoint/2010/main" val="11426030"/>
+      </p:ext>
+    </p:extLst>
+  </p:cSld>
+  <p:clrMapOvr>
+    <a:masterClrMapping/>
+  </p:clrMapOvr>
+</p:sld>
+</file>
+
+<file path=ppt/slides/slide2.xml><?xml version="1.0" encoding="utf-8"?>
+<p:sld xmlns:a="http://schemas.openxmlformats.org/drawingml/2006/main" xmlns:r="http://schemas.openxmlformats.org/officeDocument/2006/relationships" xmlns:p="http://schemas.openxmlformats.org/presentationml/2006/main">
+  <p:cSld>
+    <p:spTree>
+      <p:nvGrpSpPr>
+        <p:cNvPr id="1" name=""/>
+        <p:cNvGrpSpPr/>
+        <p:nvPr/>
+      </p:nvGrpSpPr>
+      <p:grpSpPr>
+        <a:xfrm>
+          <a:off x="0" y="0"/>
+          <a:ext cx="0" cy="0"/>
+          <a:chOff x="0" y="0"/>
+          <a:chExt cx="0" cy="0"/>
+        </a:xfrm>
+      </p:grpSpPr>
+      <mc:AlternateContent xmlns:mc="http://schemas.openxmlformats.org/markup-compatibility/2006" xmlns:a14="http://schemas.microsoft.com/office/drawing/2010/main">
+        <mc:Choice Requires="a14">
+          <p:sp>
+            <p:nvSpPr>
+              <p:cNvPr id="5" name="TextBox 4"/>
+              <p:cNvSpPr txBox="1"/>
+              <p:nvPr/>
+            </p:nvSpPr>
+            <p:spPr>
+              <a:xfrm>
+                <a:off x="19826292" y="6799462"/>
+                <a:ext cx="2539281" cy="963597"/>
+              </a:xfrm>
+              <a:prstGeom prst="rect">
+                <a:avLst/>
+              </a:prstGeom>
+              <a:noFill/>
+            </p:spPr>
+            <p:txBody>
+              <a:bodyPr wrap="square" rtlCol="0">
+                <a:spAutoFit/>
+              </a:bodyPr>
+              <a:lstStyle/>
+              <a:p>
+                <a:r>
+                  <a:rPr lang="en-US" sz="2800" i="1" dirty="0">
+                    <a:latin typeface="Palatino" charset="0"/>
+                    <a:ea typeface="Palatino" charset="0"/>
+                    <a:cs typeface="Palatino" charset="0"/>
+                  </a:rPr>
+                  <a:t>Maintain</a:t>
+                </a:r>
+                <a:r>
+                  <a:rPr lang="en-US" sz="2800" b="1" i="1" dirty="0">
+                    <a:latin typeface="Palatino" charset="0"/>
+                    <a:ea typeface="Palatino" charset="0"/>
+                    <a:cs typeface="Palatino" charset="0"/>
+                  </a:rPr>
+                  <a:t> </a:t>
+                </a:r>
+                <a:r>
+                  <a:rPr lang="en-US" sz="2800" dirty="0">
+                    <a:latin typeface="Palatino" charset="0"/>
+                    <a:ea typeface="Palatino" charset="0"/>
+                    <a:cs typeface="Palatino" charset="0"/>
+                  </a:rPr>
+                  <a:t>belief </a:t>
+                </a:r>
+              </a:p>
+              <a:p>
+                <a:pPr/>
+                <a14:m>
+                  <m:oMathPara xmlns:m="http://schemas.openxmlformats.org/officeDocument/2006/math">
+                    <m:oMathParaPr>
+                      <m:jc m:val="centerGroup"/>
+                    </m:oMathParaPr>
+                    <m:oMath xmlns:m="http://schemas.openxmlformats.org/officeDocument/2006/math">
+                      <m:r>
+                        <a:rPr lang="en-US" sz="2800" i="1">
+                          <a:latin typeface="Cambria Math" charset="0"/>
+                          <a:ea typeface="Palatino" charset="0"/>
+                          <a:cs typeface="Palatino" charset="0"/>
+                        </a:rPr>
+                        <m:t>𝑏</m:t>
+                      </m:r>
+                      <m:r>
+                        <a:rPr lang="en-US" sz="2800" i="1">
+                          <a:latin typeface="Cambria Math" charset="0"/>
+                          <a:ea typeface="Palatino" charset="0"/>
+                          <a:cs typeface="Palatino" charset="0"/>
+                        </a:rPr>
+                        <m:t>(</m:t>
+                      </m:r>
+                      <m:sSub>
+                        <m:sSubPr>
+                          <m:ctrlPr>
+                            <a:rPr lang="en-US" sz="2800" i="1">
+                              <a:latin typeface="Cambria Math" charset="0"/>
+                              <a:ea typeface="Palatino" charset="0"/>
+                              <a:cs typeface="Palatino" charset="0"/>
+                            </a:rPr>
+                          </m:ctrlPr>
+                        </m:sSubPr>
+                        <m:e>
+                          <m:r>
+                            <a:rPr lang="en-US" sz="2800" i="1">
+                              <a:latin typeface="Cambria Math" charset="0"/>
+                              <a:ea typeface="Palatino" charset="0"/>
+                              <a:cs typeface="Palatino" charset="0"/>
+                            </a:rPr>
+                            <m:t>𝜃</m:t>
+                          </m:r>
+                        </m:e>
+                        <m:sub>
+                          <m:r>
+                            <a:rPr lang="en-US" sz="2800" i="1">
+                              <a:latin typeface="Cambria Math" charset="0"/>
+                              <a:ea typeface="Palatino" charset="0"/>
+                              <a:cs typeface="Palatino" charset="0"/>
+                            </a:rPr>
+                            <m:t>𝐻</m:t>
+                          </m:r>
+                        </m:sub>
+                      </m:sSub>
+                      <m:r>
+                        <a:rPr lang="en-US" sz="2800" i="1">
+                          <a:latin typeface="Cambria Math" charset="0"/>
+                          <a:ea typeface="Palatino" charset="0"/>
+                          <a:cs typeface="Palatino" charset="0"/>
+                        </a:rPr>
+                        <m:t>=</m:t>
+                      </m:r>
+                      <m:r>
+                        <m:rPr>
+                          <m:nor/>
+                        </m:rPr>
+                        <a:rPr lang="en-US" sz="2800">
+                          <a:latin typeface="Palatino" charset="0"/>
+                          <a:ea typeface="Palatino" charset="0"/>
+                          <a:cs typeface="Palatino" charset="0"/>
+                        </a:rPr>
+                        <m:t>merge</m:t>
+                      </m:r>
+                      <m:r>
+                        <a:rPr lang="en-US" sz="2800" i="1">
+                          <a:latin typeface="Cambria Math" charset="0"/>
+                          <a:ea typeface="Palatino" charset="0"/>
+                          <a:cs typeface="Palatino" charset="0"/>
+                        </a:rPr>
+                        <m:t>)</m:t>
+                      </m:r>
+                    </m:oMath>
+                  </m:oMathPara>
+                </a14:m>
+                <a:endParaRPr lang="en-US" sz="2800" dirty="0">
+                  <a:latin typeface="Palatino" charset="0"/>
+                  <a:ea typeface="Palatino" charset="0"/>
+                  <a:cs typeface="Palatino" charset="0"/>
+                </a:endParaRPr>
+              </a:p>
+            </p:txBody>
+          </p:sp>
+        </mc:Choice>
+        <mc:Fallback xmlns="">
           <p:sp>
             <p:nvSpPr>
               <p:cNvPr id="5" name="TextBox 4"/>
@@ -3699,10 +4864,36 @@
           </a:p>
         </p:txBody>
       </p:sp>
+      <p:sp>
+        <p:nvSpPr>
+          <p:cNvPr id="2" name="TextBox 1"/>
+          <p:cNvSpPr txBox="1"/>
+          <p:nvPr/>
+        </p:nvSpPr>
+        <p:spPr>
+          <a:xfrm>
+            <a:off x="3935392" y="3368233"/>
+            <a:ext cx="184731" cy="265137"/>
+          </a:xfrm>
+          <a:prstGeom prst="rect">
+            <a:avLst/>
+          </a:prstGeom>
+          <a:noFill/>
+        </p:spPr>
+        <p:txBody>
+          <a:bodyPr wrap="none" rtlCol="0">
+            <a:spAutoFit/>
+          </a:bodyPr>
+          <a:lstStyle/>
+          <a:p>
+            <a:endParaRPr lang="en-US" dirty="0"/>
+          </a:p>
+        </p:txBody>
+      </p:sp>
     </p:spTree>
     <p:extLst>
       <p:ext uri="{BB962C8B-B14F-4D97-AF65-F5344CB8AC3E}">
-        <p14:creationId xmlns:p14="http://schemas.microsoft.com/office/powerpoint/2010/main" val="11426030"/>
+        <p14:creationId xmlns:p14="http://schemas.microsoft.com/office/powerpoint/2010/main" val="1180809903"/>
       </p:ext>
     </p:extLst>
   </p:cSld>
@@ -3971,4 +5162,265 @@
     </a:ext>
   </a:extLst>
 </a:theme>
+</file>
+
+<file path=ppt/theme/theme2.xml><?xml version="1.0" encoding="utf-8"?>
+<a:theme xmlns:a="http://schemas.openxmlformats.org/drawingml/2006/main" name="Office Theme">
+  <a:themeElements>
+    <a:clrScheme name="Office">
+      <a:dk1>
+        <a:sysClr val="windowText" lastClr="000000"/>
+      </a:dk1>
+      <a:lt1>
+        <a:sysClr val="window" lastClr="FFFFFF"/>
+      </a:lt1>
+      <a:dk2>
+        <a:srgbClr val="44546A"/>
+      </a:dk2>
+      <a:lt2>
+        <a:srgbClr val="E7E6E6"/>
+      </a:lt2>
+      <a:accent1>
+        <a:srgbClr val="4472C4"/>
+      </a:accent1>
+      <a:accent2>
+        <a:srgbClr val="ED7D31"/>
+      </a:accent2>
+      <a:accent3>
+        <a:srgbClr val="A5A5A5"/>
+      </a:accent3>
+      <a:accent4>
+        <a:srgbClr val="FFC000"/>
+      </a:accent4>
+      <a:accent5>
+        <a:srgbClr val="5B9BD5"/>
+      </a:accent5>
+      <a:accent6>
+        <a:srgbClr val="70AD47"/>
+      </a:accent6>
+      <a:hlink>
+        <a:srgbClr val="0563C1"/>
+      </a:hlink>
+      <a:folHlink>
+        <a:srgbClr val="954F72"/>
+      </a:folHlink>
+    </a:clrScheme>
+    <a:fontScheme name="Office">
+      <a:majorFont>
+        <a:latin typeface="Calibri Light" panose="020F0302020204030204"/>
+        <a:ea typeface=""/>
+        <a:cs typeface=""/>
+        <a:font script="Jpan" typeface="Yu Gothic Light"/>
+        <a:font script="Hang" typeface="맑은 고딕"/>
+        <a:font script="Hans" typeface="DengXian Light"/>
+        <a:font script="Hant" typeface="新細明體"/>
+        <a:font script="Arab" typeface="Times New Roman"/>
+        <a:font script="Hebr" typeface="Times New Roman"/>
+        <a:font script="Thai" typeface="Angsana New"/>
+        <a:font script="Ethi" typeface="Nyala"/>
+        <a:font script="Beng" typeface="Vrinda"/>
+        <a:font script="Gujr" typeface="Shruti"/>
+        <a:font script="Khmr" typeface="MoolBoran"/>
+        <a:font script="Knda" typeface="Tunga"/>
+        <a:font script="Guru" typeface="Raavi"/>
+        <a:font script="Cans" typeface="Euphemia"/>
+        <a:font script="Cher" typeface="Plantagenet Cherokee"/>
+        <a:font script="Yiii" typeface="Microsoft Yi Baiti"/>
+        <a:font script="Tibt" typeface="Microsoft Himalaya"/>
+        <a:font script="Thaa" typeface="MV Boli"/>
+        <a:font script="Deva" typeface="Mangal"/>
+        <a:font script="Telu" typeface="Gautami"/>
+        <a:font script="Taml" typeface="Latha"/>
+        <a:font script="Syrc" typeface="Estrangelo Edessa"/>
+        <a:font script="Orya" typeface="Kalinga"/>
+        <a:font script="Mlym" typeface="Kartika"/>
+        <a:font script="Laoo" typeface="DokChampa"/>
+        <a:font script="Sinh" typeface="Iskoola Pota"/>
+        <a:font script="Mong" typeface="Mongolian Baiti"/>
+        <a:font script="Viet" typeface="Times New Roman"/>
+        <a:font script="Uigh" typeface="Microsoft Uighur"/>
+        <a:font script="Geor" typeface="Sylfaen"/>
+      </a:majorFont>
+      <a:minorFont>
+        <a:latin typeface="Calibri" panose="020F0502020204030204"/>
+        <a:ea typeface=""/>
+        <a:cs typeface=""/>
+        <a:font script="Jpan" typeface="Yu Gothic"/>
+        <a:font script="Hang" typeface="맑은 고딕"/>
+        <a:font script="Hans" typeface="DengXian"/>
+        <a:font script="Hant" typeface="新細明體"/>
+        <a:font script="Arab" typeface="Arial"/>
+        <a:font script="Hebr" typeface="Arial"/>
+        <a:font script="Thai" typeface="Cordia New"/>
+        <a:font script="Ethi" typeface="Nyala"/>
+        <a:font script="Beng" typeface="Vrinda"/>
+        <a:font script="Gujr" typeface="Shruti"/>
+        <a:font script="Khmr" typeface="DaunPenh"/>
+        <a:font script="Knda" typeface="Tunga"/>
+        <a:font script="Guru" typeface="Raavi"/>
+        <a:font script="Cans" typeface="Euphemia"/>
+        <a:font script="Cher" typeface="Plantagenet Cherokee"/>
+        <a:font script="Yiii" typeface="Microsoft Yi Baiti"/>
+        <a:font script="Tibt" typeface="Microsoft Himalaya"/>
+        <a:font script="Thaa" typeface="MV Boli"/>
+        <a:font script="Deva" typeface="Mangal"/>
+        <a:font script="Telu" typeface="Gautami"/>
+        <a:font script="Taml" typeface="Latha"/>
+        <a:font script="Syrc" typeface="Estrangelo Edessa"/>
+        <a:font script="Orya" typeface="Kalinga"/>
+        <a:font script="Mlym" typeface="Kartika"/>
+        <a:font script="Laoo" typeface="DokChampa"/>
+        <a:font script="Sinh" typeface="Iskoola Pota"/>
+        <a:font script="Mong" typeface="Mongolian Baiti"/>
+        <a:font script="Viet" typeface="Arial"/>
+        <a:font script="Uigh" typeface="Microsoft Uighur"/>
+        <a:font script="Geor" typeface="Sylfaen"/>
+      </a:minorFont>
+    </a:fontScheme>
+    <a:fmtScheme name="Office">
+      <a:fillStyleLst>
+        <a:solidFill>
+          <a:schemeClr val="phClr"/>
+        </a:solidFill>
+        <a:gradFill rotWithShape="1">
+          <a:gsLst>
+            <a:gs pos="0">
+              <a:schemeClr val="phClr">
+                <a:lumMod val="110000"/>
+                <a:satMod val="105000"/>
+                <a:tint val="67000"/>
+              </a:schemeClr>
+            </a:gs>
+            <a:gs pos="50000">
+              <a:schemeClr val="phClr">
+                <a:lumMod val="105000"/>
+                <a:satMod val="103000"/>
+                <a:tint val="73000"/>
+              </a:schemeClr>
+            </a:gs>
+            <a:gs pos="100000">
+              <a:schemeClr val="phClr">
+                <a:lumMod val="105000"/>
+                <a:satMod val="109000"/>
+                <a:tint val="81000"/>
+              </a:schemeClr>
+            </a:gs>
+          </a:gsLst>
+          <a:lin ang="5400000" scaled="0"/>
+        </a:gradFill>
+        <a:gradFill rotWithShape="1">
+          <a:gsLst>
+            <a:gs pos="0">
+              <a:schemeClr val="phClr">
+                <a:satMod val="103000"/>
+                <a:lumMod val="102000"/>
+                <a:tint val="94000"/>
+              </a:schemeClr>
+            </a:gs>
+            <a:gs pos="50000">
+              <a:schemeClr val="phClr">
+                <a:satMod val="110000"/>
+                <a:lumMod val="100000"/>
+                <a:shade val="100000"/>
+              </a:schemeClr>
+            </a:gs>
+            <a:gs pos="100000">
+              <a:schemeClr val="phClr">
+                <a:lumMod val="99000"/>
+                <a:satMod val="120000"/>
+                <a:shade val="78000"/>
+              </a:schemeClr>
+            </a:gs>
+          </a:gsLst>
+          <a:lin ang="5400000" scaled="0"/>
+        </a:gradFill>
+      </a:fillStyleLst>
+      <a:lnStyleLst>
+        <a:ln w="6350" cap="flat" cmpd="sng" algn="ctr">
+          <a:solidFill>
+            <a:schemeClr val="phClr"/>
+          </a:solidFill>
+          <a:prstDash val="solid"/>
+          <a:miter lim="800000"/>
+        </a:ln>
+        <a:ln w="12700" cap="flat" cmpd="sng" algn="ctr">
+          <a:solidFill>
+            <a:schemeClr val="phClr"/>
+          </a:solidFill>
+          <a:prstDash val="solid"/>
+          <a:miter lim="800000"/>
+        </a:ln>
+        <a:ln w="19050" cap="flat" cmpd="sng" algn="ctr">
+          <a:solidFill>
+            <a:schemeClr val="phClr"/>
+          </a:solidFill>
+          <a:prstDash val="solid"/>
+          <a:miter lim="800000"/>
+        </a:ln>
+      </a:lnStyleLst>
+      <a:effectStyleLst>
+        <a:effectStyle>
+          <a:effectLst/>
+        </a:effectStyle>
+        <a:effectStyle>
+          <a:effectLst/>
+        </a:effectStyle>
+        <a:effectStyle>
+          <a:effectLst>
+            <a:outerShdw blurRad="57150" dist="19050" dir="5400000" algn="ctr" rotWithShape="0">
+              <a:srgbClr val="000000">
+                <a:alpha val="63000"/>
+              </a:srgbClr>
+            </a:outerShdw>
+          </a:effectLst>
+        </a:effectStyle>
+      </a:effectStyleLst>
+      <a:bgFillStyleLst>
+        <a:solidFill>
+          <a:schemeClr val="phClr"/>
+        </a:solidFill>
+        <a:solidFill>
+          <a:schemeClr val="phClr">
+            <a:tint val="95000"/>
+            <a:satMod val="170000"/>
+          </a:schemeClr>
+        </a:solidFill>
+        <a:gradFill rotWithShape="1">
+          <a:gsLst>
+            <a:gs pos="0">
+              <a:schemeClr val="phClr">
+                <a:tint val="93000"/>
+                <a:satMod val="150000"/>
+                <a:shade val="98000"/>
+                <a:lumMod val="102000"/>
+              </a:schemeClr>
+            </a:gs>
+            <a:gs pos="50000">
+              <a:schemeClr val="phClr">
+                <a:tint val="98000"/>
+                <a:satMod val="130000"/>
+                <a:shade val="90000"/>
+                <a:lumMod val="103000"/>
+              </a:schemeClr>
+            </a:gs>
+            <a:gs pos="100000">
+              <a:schemeClr val="phClr">
+                <a:shade val="63000"/>
+                <a:satMod val="120000"/>
+              </a:schemeClr>
+            </a:gs>
+          </a:gsLst>
+          <a:lin ang="5400000" scaled="0"/>
+        </a:gradFill>
+      </a:bgFillStyleLst>
+    </a:fmtScheme>
+  </a:themeElements>
+  <a:objectDefaults/>
+  <a:extraClrSchemeLst/>
+  <a:extLst>
+    <a:ext uri="{05A4C25C-085E-4340-85A3-A5531E510DB2}">
+      <thm15:themeFamily xmlns:thm15="http://schemas.microsoft.com/office/thememl/2012/main" name="Office Theme" id="{62F939B6-93AF-4DB8-9C6B-D6C7DFDC589F}" vid="{4A3C46E8-61CC-4603-A589-7422A47A8E4A}"/>
+    </a:ext>
+  </a:extLst>
+</a:theme>
 </file>